--- a/24-svg-fireworks/24.pptx
+++ b/24-svg-fireworks/24.pptx
@@ -246,7 +246,7 @@
           <a:p>
             <a:fld id="{918C987C-5DAD-4601-B625-55A3208473B0}" type="datetimeFigureOut">
               <a:rPr lang="zh-CN" altLang="en-US" smtClean="0"/>
-              <a:t>2018/10/9</a:t>
+              <a:t>2018/10/10</a:t>
             </a:fld>
             <a:endParaRPr lang="zh-CN" altLang="en-US"/>
           </a:p>
@@ -695,7 +695,7 @@
           <a:p>
             <a:fld id="{17C7C8FB-1C37-4023-AA22-09D5A8E13DCF}" type="datetimeFigureOut">
               <a:rPr lang="zh-CN" altLang="en-US" smtClean="0"/>
-              <a:t>2018/10/9</a:t>
+              <a:t>2018/10/10</a:t>
             </a:fld>
             <a:endParaRPr lang="zh-CN" altLang="en-US"/>
           </a:p>
@@ -865,7 +865,7 @@
           <a:p>
             <a:fld id="{17C7C8FB-1C37-4023-AA22-09D5A8E13DCF}" type="datetimeFigureOut">
               <a:rPr lang="zh-CN" altLang="en-US" smtClean="0"/>
-              <a:t>2018/10/9</a:t>
+              <a:t>2018/10/10</a:t>
             </a:fld>
             <a:endParaRPr lang="zh-CN" altLang="en-US"/>
           </a:p>
@@ -1045,7 +1045,7 @@
           <a:p>
             <a:fld id="{17C7C8FB-1C37-4023-AA22-09D5A8E13DCF}" type="datetimeFigureOut">
               <a:rPr lang="zh-CN" altLang="en-US" smtClean="0"/>
-              <a:t>2018/10/9</a:t>
+              <a:t>2018/10/10</a:t>
             </a:fld>
             <a:endParaRPr lang="zh-CN" altLang="en-US"/>
           </a:p>
@@ -1215,7 +1215,7 @@
           <a:p>
             <a:fld id="{17C7C8FB-1C37-4023-AA22-09D5A8E13DCF}" type="datetimeFigureOut">
               <a:rPr lang="zh-CN" altLang="en-US" smtClean="0"/>
-              <a:t>2018/10/9</a:t>
+              <a:t>2018/10/10</a:t>
             </a:fld>
             <a:endParaRPr lang="zh-CN" altLang="en-US"/>
           </a:p>
@@ -1461,7 +1461,7 @@
           <a:p>
             <a:fld id="{17C7C8FB-1C37-4023-AA22-09D5A8E13DCF}" type="datetimeFigureOut">
               <a:rPr lang="zh-CN" altLang="en-US" smtClean="0"/>
-              <a:t>2018/10/9</a:t>
+              <a:t>2018/10/10</a:t>
             </a:fld>
             <a:endParaRPr lang="zh-CN" altLang="en-US"/>
           </a:p>
@@ -1749,7 +1749,7 @@
           <a:p>
             <a:fld id="{17C7C8FB-1C37-4023-AA22-09D5A8E13DCF}" type="datetimeFigureOut">
               <a:rPr lang="zh-CN" altLang="en-US" smtClean="0"/>
-              <a:t>2018/10/9</a:t>
+              <a:t>2018/10/10</a:t>
             </a:fld>
             <a:endParaRPr lang="zh-CN" altLang="en-US"/>
           </a:p>
@@ -2171,7 +2171,7 @@
           <a:p>
             <a:fld id="{17C7C8FB-1C37-4023-AA22-09D5A8E13DCF}" type="datetimeFigureOut">
               <a:rPr lang="zh-CN" altLang="en-US" smtClean="0"/>
-              <a:t>2018/10/9</a:t>
+              <a:t>2018/10/10</a:t>
             </a:fld>
             <a:endParaRPr lang="zh-CN" altLang="en-US"/>
           </a:p>
@@ -2289,7 +2289,7 @@
           <a:p>
             <a:fld id="{17C7C8FB-1C37-4023-AA22-09D5A8E13DCF}" type="datetimeFigureOut">
               <a:rPr lang="zh-CN" altLang="en-US" smtClean="0"/>
-              <a:t>2018/10/9</a:t>
+              <a:t>2018/10/10</a:t>
             </a:fld>
             <a:endParaRPr lang="zh-CN" altLang="en-US"/>
           </a:p>
@@ -2384,7 +2384,7 @@
           <a:p>
             <a:fld id="{17C7C8FB-1C37-4023-AA22-09D5A8E13DCF}" type="datetimeFigureOut">
               <a:rPr lang="zh-CN" altLang="en-US" smtClean="0"/>
-              <a:t>2018/10/9</a:t>
+              <a:t>2018/10/10</a:t>
             </a:fld>
             <a:endParaRPr lang="zh-CN" altLang="en-US"/>
           </a:p>
@@ -2661,7 +2661,7 @@
           <a:p>
             <a:fld id="{17C7C8FB-1C37-4023-AA22-09D5A8E13DCF}" type="datetimeFigureOut">
               <a:rPr lang="zh-CN" altLang="en-US" smtClean="0"/>
-              <a:t>2018/10/9</a:t>
+              <a:t>2018/10/10</a:t>
             </a:fld>
             <a:endParaRPr lang="zh-CN" altLang="en-US"/>
           </a:p>
@@ -2914,7 +2914,7 @@
           <a:p>
             <a:fld id="{17C7C8FB-1C37-4023-AA22-09D5A8E13DCF}" type="datetimeFigureOut">
               <a:rPr lang="zh-CN" altLang="en-US" smtClean="0"/>
-              <a:t>2018/10/9</a:t>
+              <a:t>2018/10/10</a:t>
             </a:fld>
             <a:endParaRPr lang="zh-CN" altLang="en-US"/>
           </a:p>
@@ -3127,7 +3127,7 @@
           <a:p>
             <a:fld id="{17C7C8FB-1C37-4023-AA22-09D5A8E13DCF}" type="datetimeFigureOut">
               <a:rPr lang="zh-CN" altLang="en-US" smtClean="0"/>
-              <a:t>2018/10/9</a:t>
+              <a:t>2018/10/10</a:t>
             </a:fld>
             <a:endParaRPr lang="zh-CN" altLang="en-US"/>
           </a:p>
@@ -4830,20 +4830,7 @@
                 <a:latin typeface="微软雅黑" pitchFamily="34" charset="-122"/>
                 <a:ea typeface="微软雅黑" pitchFamily="34" charset="-122"/>
               </a:rPr>
-              <a:t>断开旧的链接，同时参考节点的后引用和后一个节点的前引用指向新</a:t>
-            </a:r>
-            <a:r>
-              <a:rPr lang="zh-CN" altLang="en-US" sz="2000" dirty="0" smtClean="0">
-                <a:solidFill>
-                  <a:schemeClr val="tx1">
-                    <a:lumMod val="75000"/>
-                    <a:lumOff val="25000"/>
-                  </a:schemeClr>
-                </a:solidFill>
-                <a:latin typeface="微软雅黑" pitchFamily="34" charset="-122"/>
-                <a:ea typeface="微软雅黑" pitchFamily="34" charset="-122"/>
-              </a:rPr>
-              <a:t>节点</a:t>
+              <a:t>断开旧的链接，同时参考节点的后引用和后一个节点的前引用指向新节点</a:t>
             </a:r>
             <a:endParaRPr lang="zh-CN" altLang="en-US" sz="2000" dirty="0">
               <a:solidFill>
@@ -6163,98 +6150,7 @@
                 <a:latin typeface="微软雅黑" pitchFamily="34" charset="-122"/>
                 <a:ea typeface="微软雅黑" pitchFamily="34" charset="-122"/>
               </a:rPr>
-              <a:t>删除黑色</a:t>
-            </a:r>
-            <a:r>
-              <a:rPr lang="zh-CN" altLang="en-US" sz="2000" dirty="0" smtClean="0">
-                <a:solidFill>
-                  <a:schemeClr val="tx1">
-                    <a:lumMod val="75000"/>
-                    <a:lumOff val="25000"/>
-                  </a:schemeClr>
-                </a:solidFill>
-                <a:latin typeface="微软雅黑" pitchFamily="34" charset="-122"/>
-                <a:ea typeface="微软雅黑" pitchFamily="34" charset="-122"/>
-              </a:rPr>
-              <a:t>虚线链接，</a:t>
-            </a:r>
-            <a:r>
-              <a:rPr lang="zh-CN" altLang="en-US" sz="2000" dirty="0" smtClean="0">
-                <a:solidFill>
-                  <a:schemeClr val="tx1">
-                    <a:lumMod val="75000"/>
-                    <a:lumOff val="25000"/>
-                  </a:schemeClr>
-                </a:solidFill>
-                <a:latin typeface="微软雅黑" pitchFamily="34" charset="-122"/>
-                <a:ea typeface="微软雅黑" pitchFamily="34" charset="-122"/>
-              </a:rPr>
-              <a:t>然后</a:t>
-            </a:r>
-            <a:r>
-              <a:rPr lang="zh-CN" altLang="en-US" sz="2000" dirty="0" smtClean="0">
-                <a:solidFill>
-                  <a:schemeClr val="tx1">
-                    <a:lumMod val="75000"/>
-                    <a:lumOff val="25000"/>
-                  </a:schemeClr>
-                </a:solidFill>
-                <a:latin typeface="微软雅黑" pitchFamily="34" charset="-122"/>
-                <a:ea typeface="微软雅黑" pitchFamily="34" charset="-122"/>
-              </a:rPr>
-              <a:t>将虚线</a:t>
-            </a:r>
-            <a:r>
-              <a:rPr lang="zh-CN" altLang="en-US" sz="2000" dirty="0" smtClean="0">
-                <a:solidFill>
-                  <a:schemeClr val="tx1">
-                    <a:lumMod val="75000"/>
-                    <a:lumOff val="25000"/>
-                  </a:schemeClr>
-                </a:solidFill>
-                <a:latin typeface="微软雅黑" pitchFamily="34" charset="-122"/>
-                <a:ea typeface="微软雅黑" pitchFamily="34" charset="-122"/>
-              </a:rPr>
-              <a:t>链接，改</a:t>
-            </a:r>
-            <a:r>
-              <a:rPr lang="zh-CN" altLang="en-US" sz="2000" dirty="0" smtClean="0">
-                <a:solidFill>
-                  <a:schemeClr val="tx1">
-                    <a:lumMod val="75000"/>
-                    <a:lumOff val="25000"/>
-                  </a:schemeClr>
-                </a:solidFill>
-                <a:latin typeface="微软雅黑" pitchFamily="34" charset="-122"/>
-                <a:ea typeface="微软雅黑" pitchFamily="34" charset="-122"/>
-              </a:rPr>
-              <a:t>成实线</a:t>
-            </a:r>
-            <a:r>
-              <a:rPr lang="zh-CN" altLang="en-US" sz="2000" dirty="0" smtClean="0">
-                <a:solidFill>
-                  <a:schemeClr val="tx1">
-                    <a:lumMod val="75000"/>
-                    <a:lumOff val="25000"/>
-                  </a:schemeClr>
-                </a:solidFill>
-                <a:latin typeface="微软雅黑" pitchFamily="34" charset="-122"/>
-                <a:ea typeface="微软雅黑" pitchFamily="34" charset="-122"/>
-              </a:rPr>
-              <a:t>链接，就完成了</a:t>
-            </a:r>
-            <a:r>
-              <a:rPr lang="zh-CN" altLang="en-US" sz="2000" dirty="0" smtClean="0">
-                <a:solidFill>
-                  <a:schemeClr val="tx1">
-                    <a:lumMod val="75000"/>
-                    <a:lumOff val="25000"/>
-                  </a:schemeClr>
-                </a:solidFill>
-                <a:latin typeface="微软雅黑" pitchFamily="34" charset="-122"/>
-                <a:ea typeface="微软雅黑" pitchFamily="34" charset="-122"/>
-              </a:rPr>
-              <a:t>删除</a:t>
+              <a:t>删除黑色虚线链接，然后将虚线链接，改成实线链接，就完成了删除</a:t>
             </a:r>
             <a:endParaRPr lang="zh-CN" altLang="en-US" sz="2000" dirty="0">
               <a:solidFill>
@@ -8094,17 +7990,17 @@
               </a:lnSpc>
             </a:pPr>
             <a:r>
-              <a:rPr lang="en-US" altLang="zh-CN" sz="2400" b="1" dirty="0" smtClean="0">
-                <a:solidFill>
-                  <a:schemeClr val="tx1">
-                    <a:lumMod val="75000"/>
-                    <a:lumOff val="25000"/>
-                  </a:schemeClr>
-                </a:solidFill>
-                <a:latin typeface="微软雅黑" pitchFamily="34" charset="-122"/>
-                <a:ea typeface="微软雅黑" pitchFamily="34" charset="-122"/>
-              </a:rPr>
-              <a:t>4-d </a:t>
+              <a:rPr lang="en-US" altLang="zh-CN" sz="2400" b="1" smtClean="0">
+                <a:solidFill>
+                  <a:schemeClr val="tx1">
+                    <a:lumMod val="75000"/>
+                    <a:lumOff val="25000"/>
+                  </a:schemeClr>
+                </a:solidFill>
+                <a:latin typeface="微软雅黑" pitchFamily="34" charset="-122"/>
+                <a:ea typeface="微软雅黑" pitchFamily="34" charset="-122"/>
+              </a:rPr>
+              <a:t>4-e </a:t>
             </a:r>
             <a:r>
               <a:rPr lang="zh-CN" altLang="en-US" sz="2400" b="1" dirty="0" smtClean="0">
@@ -8199,33 +8095,7 @@
                 <a:latin typeface="微软雅黑" pitchFamily="34" charset="-122"/>
                 <a:ea typeface="微软雅黑" pitchFamily="34" charset="-122"/>
               </a:rPr>
-              <a:t>队列的操作很简单，主要有两种操作，入队，出队，像排队一样遵循先进先出，后进后出的原则，入队就是在队列的尾部插入新元素，</a:t>
-            </a:r>
-            <a:r>
-              <a:rPr lang="zh-CN" altLang="en-US" sz="2400" dirty="0" smtClean="0">
-                <a:solidFill>
-                  <a:schemeClr val="tx1">
-                    <a:lumMod val="75000"/>
-                    <a:lumOff val="25000"/>
-                  </a:schemeClr>
-                </a:solidFill>
-                <a:latin typeface="微软雅黑" pitchFamily="34" charset="-122"/>
-                <a:ea typeface="微软雅黑" pitchFamily="34" charset="-122"/>
-              </a:rPr>
-              <a:t>出队就是</a:t>
-            </a:r>
-            <a:r>
-              <a:rPr lang="zh-CN" altLang="en-US" sz="2400" dirty="0" smtClean="0">
-                <a:solidFill>
-                  <a:schemeClr val="tx1">
-                    <a:lumMod val="75000"/>
-                    <a:lumOff val="25000"/>
-                  </a:schemeClr>
-                </a:solidFill>
-                <a:latin typeface="微软雅黑" pitchFamily="34" charset="-122"/>
-                <a:ea typeface="微软雅黑" pitchFamily="34" charset="-122"/>
-              </a:rPr>
-              <a:t>取出队列的头部元素</a:t>
+              <a:t>队列的操作很简单，主要有两种操作，入队，出队，像排队一样遵循先进先出，后进后出的原则，入队就是在队列的尾部插入新元素，出队就是取出队列的头部元素</a:t>
             </a:r>
             <a:r>
               <a:rPr lang="en-US" altLang="zh-CN" sz="2400" dirty="0" smtClean="0">
@@ -13242,7 +13112,20 @@
                 <a:latin typeface="微软雅黑" pitchFamily="34" charset="-122"/>
                 <a:ea typeface="微软雅黑" pitchFamily="34" charset="-122"/>
               </a:rPr>
-              <a:t>6</a:t>
+              <a:t>6-a </a:t>
+            </a:r>
+            <a:r>
+              <a:rPr lang="zh-CN" altLang="en-US" sz="2400" b="1" dirty="0" smtClean="0">
+                <a:solidFill>
+                  <a:schemeClr val="tx1">
+                    <a:lumMod val="75000"/>
+                    <a:lumOff val="25000"/>
+                  </a:schemeClr>
+                </a:solidFill>
+                <a:latin typeface="微软雅黑" pitchFamily="34" charset="-122"/>
+                <a:ea typeface="微软雅黑" pitchFamily="34" charset="-122"/>
+              </a:rPr>
+              <a:t>飞落的动画</a:t>
             </a:r>
             <a:r>
               <a:rPr lang="en-US" altLang="zh-CN" sz="2400" b="1" dirty="0" smtClean="0">
@@ -13255,44 +13138,8 @@
                 <a:latin typeface="微软雅黑" pitchFamily="34" charset="-122"/>
                 <a:ea typeface="微软雅黑" pitchFamily="34" charset="-122"/>
               </a:rPr>
-              <a:t>-a </a:t>
-            </a:r>
-            <a:r>
-              <a:rPr lang="zh-CN" altLang="en-US" sz="2400" b="1" dirty="0" smtClean="0">
-                <a:solidFill>
-                  <a:schemeClr val="tx1">
-                    <a:lumMod val="75000"/>
-                    <a:lumOff val="25000"/>
-                  </a:schemeClr>
-                </a:solidFill>
-                <a:latin typeface="微软雅黑" pitchFamily="34" charset="-122"/>
-                <a:ea typeface="微软雅黑" pitchFamily="34" charset="-122"/>
-              </a:rPr>
-              <a:t>飞落的动画</a:t>
-            </a:r>
-            <a:r>
-              <a:rPr lang="en-US" altLang="zh-CN" sz="2400" b="1" dirty="0" smtClean="0">
-                <a:solidFill>
-                  <a:schemeClr val="tx1">
-                    <a:lumMod val="75000"/>
-                    <a:lumOff val="25000"/>
-                  </a:schemeClr>
-                </a:solidFill>
-                <a:latin typeface="微软雅黑" pitchFamily="34" charset="-122"/>
-                <a:ea typeface="微软雅黑" pitchFamily="34" charset="-122"/>
-              </a:rPr>
               <a:t> </a:t>
             </a:r>
-            <a:endParaRPr lang="en-US" altLang="zh-CN" sz="2400" b="1" dirty="0" smtClean="0">
-              <a:solidFill>
-                <a:schemeClr val="tx1">
-                  <a:lumMod val="75000"/>
-                  <a:lumOff val="25000"/>
-                </a:schemeClr>
-              </a:solidFill>
-              <a:latin typeface="微软雅黑" pitchFamily="34" charset="-122"/>
-              <a:ea typeface="微软雅黑" pitchFamily="34" charset="-122"/>
-            </a:endParaRPr>
           </a:p>
           <a:p>
             <a:pPr>
@@ -13337,33 +13184,7 @@
                 <a:latin typeface="微软雅黑" pitchFamily="34" charset="-122"/>
                 <a:ea typeface="微软雅黑" pitchFamily="34" charset="-122"/>
               </a:rPr>
-              <a:t>平面的随机方向和大小</a:t>
-            </a:r>
-            <a:r>
-              <a:rPr lang="zh-CN" altLang="en-US" sz="2400" dirty="0" smtClean="0">
-                <a:solidFill>
-                  <a:schemeClr val="tx1">
-                    <a:lumMod val="75000"/>
-                    <a:lumOff val="25000"/>
-                  </a:schemeClr>
-                </a:solidFill>
-                <a:latin typeface="微软雅黑" pitchFamily="34" charset="-122"/>
-                <a:ea typeface="微软雅黑" pitchFamily="34" charset="-122"/>
-              </a:rPr>
-              <a:t>的初始速度</a:t>
-            </a:r>
-            <a:r>
-              <a:rPr lang="zh-CN" altLang="en-US" sz="2400" dirty="0" smtClean="0">
-                <a:solidFill>
-                  <a:schemeClr val="tx1">
-                    <a:lumMod val="75000"/>
-                    <a:lumOff val="25000"/>
-                  </a:schemeClr>
-                </a:solidFill>
-                <a:latin typeface="微软雅黑" pitchFamily="34" charset="-122"/>
-                <a:ea typeface="微软雅黑" pitchFamily="34" charset="-122"/>
-              </a:rPr>
-              <a:t>，然后在这个初始速度的基础上，给他一个向下的重力加速度，就会呈现烟花绽开后自由落体的效果</a:t>
+              <a:t>平面的随机方向和大小的初始速度，然后在这个初始速度的基础上，给他一个向下的重力加速度，就会呈现烟花绽开后自由落体的效果</a:t>
             </a:r>
             <a:r>
               <a:rPr lang="en-US" altLang="zh-CN" sz="2400" dirty="0" smtClean="0">
@@ -13556,7 +13377,20 @@
                 <a:latin typeface="微软雅黑" pitchFamily="34" charset="-122"/>
                 <a:ea typeface="微软雅黑" pitchFamily="34" charset="-122"/>
               </a:rPr>
-              <a:t> = V</a:t>
+              <a:t> = Vx</a:t>
+            </a:r>
+            <a:r>
+              <a:rPr lang="en-US" altLang="zh-CN" b="1" dirty="0" smtClean="0">
+                <a:solidFill>
+                  <a:schemeClr val="tx1">
+                    <a:lumMod val="75000"/>
+                    <a:lumOff val="25000"/>
+                  </a:schemeClr>
+                </a:solidFill>
+                <a:latin typeface="微软雅黑" pitchFamily="34" charset="-122"/>
+                <a:ea typeface="微软雅黑" pitchFamily="34" charset="-122"/>
+              </a:rPr>
+              <a:t>0</a:t>
             </a:r>
             <a:r>
               <a:rPr lang="en-US" altLang="zh-CN" sz="2400" b="1" dirty="0" smtClean="0">
@@ -13569,20 +13403,20 @@
                 <a:latin typeface="微软雅黑" pitchFamily="34" charset="-122"/>
                 <a:ea typeface="微软雅黑" pitchFamily="34" charset="-122"/>
               </a:rPr>
-              <a:t>x</a:t>
-            </a:r>
-            <a:r>
-              <a:rPr lang="en-US" altLang="zh-CN" b="1" dirty="0" smtClean="0">
-                <a:solidFill>
-                  <a:schemeClr val="tx1">
-                    <a:lumMod val="75000"/>
-                    <a:lumOff val="25000"/>
-                  </a:schemeClr>
-                </a:solidFill>
-                <a:latin typeface="微软雅黑" pitchFamily="34" charset="-122"/>
-                <a:ea typeface="微软雅黑" pitchFamily="34" charset="-122"/>
-              </a:rPr>
-              <a:t>0</a:t>
+              <a:t> </a:t>
+            </a:r>
+            <a:r>
+              <a:rPr lang="zh-CN" altLang="en-US" sz="2400" b="1" dirty="0" smtClean="0">
+                <a:solidFill>
+                  <a:schemeClr val="tx1">
+                    <a:lumMod val="75000"/>
+                    <a:lumOff val="25000"/>
+                  </a:schemeClr>
+                </a:solidFill>
+                <a:latin typeface="微软雅黑" pitchFamily="34" charset="-122"/>
+                <a:ea typeface="微软雅黑" pitchFamily="34" charset="-122"/>
+              </a:rPr>
+              <a:t> </a:t>
             </a:r>
             <a:r>
               <a:rPr lang="en-US" altLang="zh-CN" sz="2400" b="1" dirty="0" smtClean="0">
@@ -13595,44 +13429,8 @@
                 <a:latin typeface="微软雅黑" pitchFamily="34" charset="-122"/>
                 <a:ea typeface="微软雅黑" pitchFamily="34" charset="-122"/>
               </a:rPr>
-              <a:t> </a:t>
-            </a:r>
-            <a:r>
-              <a:rPr lang="zh-CN" altLang="en-US" sz="2400" b="1" dirty="0" smtClean="0">
-                <a:solidFill>
-                  <a:schemeClr val="tx1">
-                    <a:lumMod val="75000"/>
-                    <a:lumOff val="25000"/>
-                  </a:schemeClr>
-                </a:solidFill>
-                <a:latin typeface="微软雅黑" pitchFamily="34" charset="-122"/>
-                <a:ea typeface="微软雅黑" pitchFamily="34" charset="-122"/>
-              </a:rPr>
-              <a:t> </a:t>
-            </a:r>
-            <a:r>
-              <a:rPr lang="en-US" altLang="zh-CN" sz="2400" b="1" dirty="0" smtClean="0">
-                <a:solidFill>
-                  <a:schemeClr val="tx1">
-                    <a:lumMod val="75000"/>
-                    <a:lumOff val="25000"/>
-                  </a:schemeClr>
-                </a:solidFill>
-                <a:latin typeface="微软雅黑" pitchFamily="34" charset="-122"/>
-                <a:ea typeface="微软雅黑" pitchFamily="34" charset="-122"/>
-              </a:rPr>
               <a:t>+  g * t </a:t>
             </a:r>
-            <a:endParaRPr lang="en-US" altLang="zh-CN" sz="2400" b="1" dirty="0" smtClean="0">
-              <a:solidFill>
-                <a:schemeClr val="tx1">
-                  <a:lumMod val="75000"/>
-                  <a:lumOff val="25000"/>
-                </a:schemeClr>
-              </a:solidFill>
-              <a:latin typeface="微软雅黑" pitchFamily="34" charset="-122"/>
-              <a:ea typeface="微软雅黑" pitchFamily="34" charset="-122"/>
-            </a:endParaRPr>
           </a:p>
         </p:txBody>
       </p:sp>
@@ -14075,16 +13873,6 @@
               </a:rPr>
               <a:t>平局速度</a:t>
             </a:r>
-            <a:endParaRPr lang="zh-CN" altLang="en-US" sz="2000" dirty="0">
-              <a:solidFill>
-                <a:schemeClr val="tx1">
-                  <a:lumMod val="75000"/>
-                  <a:lumOff val="25000"/>
-                </a:schemeClr>
-              </a:solidFill>
-              <a:latin typeface="微软雅黑" pitchFamily="34" charset="-122"/>
-              <a:ea typeface="微软雅黑" pitchFamily="34" charset="-122"/>
-            </a:endParaRPr>
           </a:p>
         </p:txBody>
       </p:sp>
@@ -14560,20 +14348,7 @@
                 <a:latin typeface="微软雅黑" pitchFamily="34" charset="-122"/>
                 <a:ea typeface="微软雅黑" pitchFamily="34" charset="-122"/>
               </a:rPr>
-              <a:t>当前垂直</a:t>
-            </a:r>
-            <a:r>
-              <a:rPr lang="zh-CN" altLang="en-US" sz="2000" dirty="0" smtClean="0">
-                <a:solidFill>
-                  <a:schemeClr val="tx1">
-                    <a:lumMod val="75000"/>
-                    <a:lumOff val="25000"/>
-                  </a:schemeClr>
-                </a:solidFill>
-                <a:latin typeface="微软雅黑" pitchFamily="34" charset="-122"/>
-                <a:ea typeface="微软雅黑" pitchFamily="34" charset="-122"/>
-              </a:rPr>
-              <a:t>速度</a:t>
+              <a:t>当前垂直速度</a:t>
             </a:r>
             <a:endParaRPr lang="zh-CN" altLang="en-US" sz="2000" dirty="0">
               <a:solidFill>
@@ -15565,20 +15340,7 @@
                 <a:latin typeface="微软雅黑" pitchFamily="34" charset="-122"/>
                 <a:ea typeface="微软雅黑" pitchFamily="34" charset="-122"/>
               </a:rPr>
-              <a:t>6</a:t>
-            </a:r>
-            <a:r>
-              <a:rPr lang="en-US" altLang="zh-CN" sz="2400" b="1" dirty="0" smtClean="0">
-                <a:solidFill>
-                  <a:schemeClr val="tx1">
-                    <a:lumMod val="75000"/>
-                    <a:lumOff val="25000"/>
-                  </a:schemeClr>
-                </a:solidFill>
-                <a:latin typeface="微软雅黑" pitchFamily="34" charset="-122"/>
-                <a:ea typeface="微软雅黑" pitchFamily="34" charset="-122"/>
-              </a:rPr>
-              <a:t>-b </a:t>
+              <a:t>6-b </a:t>
             </a:r>
             <a:r>
               <a:rPr lang="zh-CN" altLang="en-US" sz="2400" b="1" dirty="0" smtClean="0">
@@ -15647,20 +15409,7 @@
                 <a:latin typeface="微软雅黑" pitchFamily="34" charset="-122"/>
                 <a:ea typeface="微软雅黑" pitchFamily="34" charset="-122"/>
               </a:rPr>
-              <a:t>烟花从绽放后，将其透明度逐渐变为零</a:t>
-            </a:r>
-            <a:r>
-              <a:rPr lang="zh-CN" altLang="en-US" sz="2400" dirty="0" smtClean="0">
-                <a:solidFill>
-                  <a:schemeClr val="tx1">
-                    <a:lumMod val="75000"/>
-                    <a:lumOff val="25000"/>
-                  </a:schemeClr>
-                </a:solidFill>
-                <a:latin typeface="微软雅黑" pitchFamily="34" charset="-122"/>
-                <a:ea typeface="微软雅黑" pitchFamily="34" charset="-122"/>
-              </a:rPr>
-              <a:t>，即透明度的动画！这里定义了通用的属性动画类，不仅可用于透明度动画，还可用于颜色，甚至是</a:t>
+              <a:t>烟花从绽放后，将其透明度逐渐变为零，即透明度的动画！这里定义了通用的属性动画类，不仅可用于透明度动画，还可用于颜色，甚至是</a:t>
             </a:r>
             <a:r>
               <a:rPr lang="en-US" altLang="zh-CN" sz="2400" dirty="0" smtClean="0">
@@ -15969,13 +15718,6 @@
               </a:rPr>
               <a:t>数组</a:t>
             </a:r>
-            <a:endParaRPr lang="zh-CN" altLang="en-US" sz="2000" b="1" dirty="0">
-              <a:solidFill>
-                <a:srgbClr val="FF0000"/>
-              </a:solidFill>
-              <a:latin typeface="微软雅黑" pitchFamily="34" charset="-122"/>
-              <a:ea typeface="微软雅黑" pitchFamily="34" charset="-122"/>
-            </a:endParaRPr>
           </a:p>
         </p:txBody>
       </p:sp>
@@ -16388,20 +16130,7 @@
                 <a:latin typeface="微软雅黑" pitchFamily="34" charset="-122"/>
                 <a:ea typeface="微软雅黑" pitchFamily="34" charset="-122"/>
               </a:rPr>
-              <a:t>动画</a:t>
-            </a:r>
-            <a:r>
-              <a:rPr lang="zh-CN" altLang="en-US" sz="2400" b="1" dirty="0" smtClean="0">
-                <a:solidFill>
-                  <a:schemeClr val="tx1">
-                    <a:lumMod val="75000"/>
-                    <a:lumOff val="25000"/>
-                  </a:schemeClr>
-                </a:solidFill>
-                <a:latin typeface="微软雅黑" pitchFamily="34" charset="-122"/>
-                <a:ea typeface="微软雅黑" pitchFamily="34" charset="-122"/>
-              </a:rPr>
-              <a:t>插值</a:t>
+              <a:t>动画插值</a:t>
             </a:r>
             <a:endParaRPr lang="en-US" altLang="zh-CN" sz="2400" b="1" dirty="0" smtClean="0">
               <a:solidFill>
@@ -17844,7 +17573,20 @@
                 <a:latin typeface="微软雅黑" pitchFamily="34" charset="-122"/>
                 <a:ea typeface="微软雅黑" pitchFamily="34" charset="-122"/>
               </a:rPr>
-              <a:t>烟花有很多，要尽量避免在文档</a:t>
+              <a:t>烟花有很多，要尽量避免在文档中频繁地插入删除</a:t>
+            </a:r>
+            <a:r>
+              <a:rPr lang="en-US" altLang="zh-CN" sz="2400" dirty="0" smtClean="0">
+                <a:solidFill>
+                  <a:schemeClr val="tx1">
+                    <a:lumMod val="75000"/>
+                    <a:lumOff val="25000"/>
+                  </a:schemeClr>
+                </a:solidFill>
+                <a:latin typeface="微软雅黑" pitchFamily="34" charset="-122"/>
+                <a:ea typeface="微软雅黑" pitchFamily="34" charset="-122"/>
+              </a:rPr>
+              <a:t>SVG</a:t>
             </a:r>
             <a:r>
               <a:rPr lang="zh-CN" altLang="en-US" sz="2400" dirty="0" smtClean="0">
@@ -17857,7 +17599,20 @@
                 <a:latin typeface="微软雅黑" pitchFamily="34" charset="-122"/>
                 <a:ea typeface="微软雅黑" pitchFamily="34" charset="-122"/>
               </a:rPr>
-              <a:t>中</a:t>
+              <a:t>节点，否则效率很低，我们维护两个队列，一个存储动画节点，一个存放备用节点，用</a:t>
+            </a:r>
+            <a:r>
+              <a:rPr lang="en-US" altLang="zh-CN" sz="2400" dirty="0" smtClean="0">
+                <a:solidFill>
+                  <a:schemeClr val="tx1">
+                    <a:lumMod val="75000"/>
+                    <a:lumOff val="25000"/>
+                  </a:schemeClr>
+                </a:solidFill>
+                <a:latin typeface="微软雅黑" pitchFamily="34" charset="-122"/>
+                <a:ea typeface="微软雅黑" pitchFamily="34" charset="-122"/>
+              </a:rPr>
+              <a:t>JS</a:t>
             </a:r>
             <a:r>
               <a:rPr lang="zh-CN" altLang="en-US" sz="2400" dirty="0" smtClean="0">
@@ -17870,215 +17625,7 @@
                 <a:latin typeface="微软雅黑" pitchFamily="34" charset="-122"/>
                 <a:ea typeface="微软雅黑" pitchFamily="34" charset="-122"/>
               </a:rPr>
-              <a:t>频繁地</a:t>
-            </a:r>
-            <a:r>
-              <a:rPr lang="zh-CN" altLang="en-US" sz="2400" dirty="0" smtClean="0">
-                <a:solidFill>
-                  <a:schemeClr val="tx1">
-                    <a:lumMod val="75000"/>
-                    <a:lumOff val="25000"/>
-                  </a:schemeClr>
-                </a:solidFill>
-                <a:latin typeface="微软雅黑" pitchFamily="34" charset="-122"/>
-                <a:ea typeface="微软雅黑" pitchFamily="34" charset="-122"/>
-              </a:rPr>
-              <a:t>插入</a:t>
-            </a:r>
-            <a:r>
-              <a:rPr lang="zh-CN" altLang="en-US" sz="2400" dirty="0" smtClean="0">
-                <a:solidFill>
-                  <a:schemeClr val="tx1">
-                    <a:lumMod val="75000"/>
-                    <a:lumOff val="25000"/>
-                  </a:schemeClr>
-                </a:solidFill>
-                <a:latin typeface="微软雅黑" pitchFamily="34" charset="-122"/>
-                <a:ea typeface="微软雅黑" pitchFamily="34" charset="-122"/>
-              </a:rPr>
-              <a:t>删除</a:t>
-            </a:r>
-            <a:r>
-              <a:rPr lang="en-US" altLang="zh-CN" sz="2400" dirty="0" smtClean="0">
-                <a:solidFill>
-                  <a:schemeClr val="tx1">
-                    <a:lumMod val="75000"/>
-                    <a:lumOff val="25000"/>
-                  </a:schemeClr>
-                </a:solidFill>
-                <a:latin typeface="微软雅黑" pitchFamily="34" charset="-122"/>
-                <a:ea typeface="微软雅黑" pitchFamily="34" charset="-122"/>
-              </a:rPr>
-              <a:t>SVG</a:t>
-            </a:r>
-            <a:r>
-              <a:rPr lang="zh-CN" altLang="en-US" sz="2400" dirty="0" smtClean="0">
-                <a:solidFill>
-                  <a:schemeClr val="tx1">
-                    <a:lumMod val="75000"/>
-                    <a:lumOff val="25000"/>
-                  </a:schemeClr>
-                </a:solidFill>
-                <a:latin typeface="微软雅黑" pitchFamily="34" charset="-122"/>
-                <a:ea typeface="微软雅黑" pitchFamily="34" charset="-122"/>
-              </a:rPr>
-              <a:t>节点，否则</a:t>
-            </a:r>
-            <a:r>
-              <a:rPr lang="zh-CN" altLang="en-US" sz="2400" dirty="0" smtClean="0">
-                <a:solidFill>
-                  <a:schemeClr val="tx1">
-                    <a:lumMod val="75000"/>
-                    <a:lumOff val="25000"/>
-                  </a:schemeClr>
-                </a:solidFill>
-                <a:latin typeface="微软雅黑" pitchFamily="34" charset="-122"/>
-                <a:ea typeface="微软雅黑" pitchFamily="34" charset="-122"/>
-              </a:rPr>
-              <a:t>效率很</a:t>
-            </a:r>
-            <a:r>
-              <a:rPr lang="zh-CN" altLang="en-US" sz="2400" dirty="0" smtClean="0">
-                <a:solidFill>
-                  <a:schemeClr val="tx1">
-                    <a:lumMod val="75000"/>
-                    <a:lumOff val="25000"/>
-                  </a:schemeClr>
-                </a:solidFill>
-                <a:latin typeface="微软雅黑" pitchFamily="34" charset="-122"/>
-                <a:ea typeface="微软雅黑" pitchFamily="34" charset="-122"/>
-              </a:rPr>
-              <a:t>低</a:t>
-            </a:r>
-            <a:r>
-              <a:rPr lang="zh-CN" altLang="en-US" sz="2400" dirty="0" smtClean="0">
-                <a:solidFill>
-                  <a:schemeClr val="tx1">
-                    <a:lumMod val="75000"/>
-                    <a:lumOff val="25000"/>
-                  </a:schemeClr>
-                </a:solidFill>
-                <a:latin typeface="微软雅黑" pitchFamily="34" charset="-122"/>
-                <a:ea typeface="微软雅黑" pitchFamily="34" charset="-122"/>
-              </a:rPr>
-              <a:t>，我们维护</a:t>
-            </a:r>
-            <a:r>
-              <a:rPr lang="zh-CN" altLang="en-US" sz="2400" dirty="0" smtClean="0">
-                <a:solidFill>
-                  <a:schemeClr val="tx1">
-                    <a:lumMod val="75000"/>
-                    <a:lumOff val="25000"/>
-                  </a:schemeClr>
-                </a:solidFill>
-                <a:latin typeface="微软雅黑" pitchFamily="34" charset="-122"/>
-                <a:ea typeface="微软雅黑" pitchFamily="34" charset="-122"/>
-              </a:rPr>
-              <a:t>两个队列，一个</a:t>
-            </a:r>
-            <a:r>
-              <a:rPr lang="zh-CN" altLang="en-US" sz="2400" dirty="0" smtClean="0">
-                <a:solidFill>
-                  <a:schemeClr val="tx1">
-                    <a:lumMod val="75000"/>
-                    <a:lumOff val="25000"/>
-                  </a:schemeClr>
-                </a:solidFill>
-                <a:latin typeface="微软雅黑" pitchFamily="34" charset="-122"/>
-                <a:ea typeface="微软雅黑" pitchFamily="34" charset="-122"/>
-              </a:rPr>
-              <a:t>存储动画节点</a:t>
-            </a:r>
-            <a:r>
-              <a:rPr lang="zh-CN" altLang="en-US" sz="2400" dirty="0" smtClean="0">
-                <a:solidFill>
-                  <a:schemeClr val="tx1">
-                    <a:lumMod val="75000"/>
-                    <a:lumOff val="25000"/>
-                  </a:schemeClr>
-                </a:solidFill>
-                <a:latin typeface="微软雅黑" pitchFamily="34" charset="-122"/>
-                <a:ea typeface="微软雅黑" pitchFamily="34" charset="-122"/>
-              </a:rPr>
-              <a:t>，一</a:t>
-            </a:r>
-            <a:r>
-              <a:rPr lang="zh-CN" altLang="en-US" sz="2400" dirty="0" smtClean="0">
-                <a:solidFill>
-                  <a:schemeClr val="tx1">
-                    <a:lumMod val="75000"/>
-                    <a:lumOff val="25000"/>
-                  </a:schemeClr>
-                </a:solidFill>
-                <a:latin typeface="微软雅黑" pitchFamily="34" charset="-122"/>
-                <a:ea typeface="微软雅黑" pitchFamily="34" charset="-122"/>
-              </a:rPr>
-              <a:t>个存放</a:t>
-            </a:r>
-            <a:r>
-              <a:rPr lang="zh-CN" altLang="en-US" sz="2400" dirty="0" smtClean="0">
-                <a:solidFill>
-                  <a:schemeClr val="tx1">
-                    <a:lumMod val="75000"/>
-                    <a:lumOff val="25000"/>
-                  </a:schemeClr>
-                </a:solidFill>
-                <a:latin typeface="微软雅黑" pitchFamily="34" charset="-122"/>
-                <a:ea typeface="微软雅黑" pitchFamily="34" charset="-122"/>
-              </a:rPr>
-              <a:t>备用节点</a:t>
-            </a:r>
-            <a:r>
-              <a:rPr lang="zh-CN" altLang="en-US" sz="2400" dirty="0" smtClean="0">
-                <a:solidFill>
-                  <a:schemeClr val="tx1">
-                    <a:lumMod val="75000"/>
-                    <a:lumOff val="25000"/>
-                  </a:schemeClr>
-                </a:solidFill>
-                <a:latin typeface="微软雅黑" pitchFamily="34" charset="-122"/>
-                <a:ea typeface="微软雅黑" pitchFamily="34" charset="-122"/>
-              </a:rPr>
-              <a:t>，用</a:t>
-            </a:r>
-            <a:r>
-              <a:rPr lang="en-US" altLang="zh-CN" sz="2400" dirty="0" smtClean="0">
-                <a:solidFill>
-                  <a:schemeClr val="tx1">
-                    <a:lumMod val="75000"/>
-                    <a:lumOff val="25000"/>
-                  </a:schemeClr>
-                </a:solidFill>
-                <a:latin typeface="微软雅黑" pitchFamily="34" charset="-122"/>
-                <a:ea typeface="微软雅黑" pitchFamily="34" charset="-122"/>
-              </a:rPr>
-              <a:t>JS</a:t>
-            </a:r>
-            <a:r>
-              <a:rPr lang="zh-CN" altLang="en-US" sz="2400" dirty="0" smtClean="0">
-                <a:solidFill>
-                  <a:schemeClr val="tx1">
-                    <a:lumMod val="75000"/>
-                    <a:lumOff val="25000"/>
-                  </a:schemeClr>
-                </a:solidFill>
-                <a:latin typeface="微软雅黑" pitchFamily="34" charset="-122"/>
-                <a:ea typeface="微软雅黑" pitchFamily="34" charset="-122"/>
-              </a:rPr>
-              <a:t>写个链表类，因为链表的插入删除比数组</a:t>
-            </a:r>
-            <a:r>
-              <a:rPr lang="zh-CN" altLang="en-US" sz="2400" dirty="0" smtClean="0">
-                <a:solidFill>
-                  <a:schemeClr val="tx1">
-                    <a:lumMod val="75000"/>
-                    <a:lumOff val="25000"/>
-                  </a:schemeClr>
-                </a:solidFill>
-                <a:latin typeface="微软雅黑" pitchFamily="34" charset="-122"/>
-                <a:ea typeface="微软雅黑" pitchFamily="34" charset="-122"/>
-              </a:rPr>
-              <a:t>快</a:t>
+              <a:t>写个链表类，因为链表的插入删除比数组快</a:t>
             </a:r>
             <a:endParaRPr lang="en-US" altLang="zh-CN" sz="2400" dirty="0" smtClean="0">
               <a:solidFill>
@@ -18136,7 +17683,20 @@
                 <a:latin typeface="微软雅黑" pitchFamily="34" charset="-122"/>
                 <a:ea typeface="微软雅黑" pitchFamily="34" charset="-122"/>
               </a:rPr>
-              <a:t>时</a:t>
+              <a:t>时，每个烟花都会从烟花中心飞出，有个随机的初始速度，同时自由落体，这个动画需要自己实现，而不是借助</a:t>
+            </a:r>
+            <a:r>
+              <a:rPr lang="en-US" altLang="zh-CN" sz="2400" dirty="0" smtClean="0">
+                <a:solidFill>
+                  <a:schemeClr val="tx1">
+                    <a:lumMod val="75000"/>
+                    <a:lumOff val="25000"/>
+                  </a:schemeClr>
+                </a:solidFill>
+                <a:latin typeface="微软雅黑" pitchFamily="34" charset="-122"/>
+                <a:ea typeface="微软雅黑" pitchFamily="34" charset="-122"/>
+              </a:rPr>
+              <a:t>SMIL</a:t>
             </a:r>
             <a:r>
               <a:rPr lang="zh-CN" altLang="en-US" sz="2400" dirty="0" smtClean="0">
@@ -18149,46 +17709,7 @@
                 <a:latin typeface="微软雅黑" pitchFamily="34" charset="-122"/>
                 <a:ea typeface="微软雅黑" pitchFamily="34" charset="-122"/>
               </a:rPr>
-              <a:t>，每个烟花都会从烟花中心飞出，有个随机的初始速度，同时自由落体，这个动画需要自己实现，而不是借助</a:t>
-            </a:r>
-            <a:r>
-              <a:rPr lang="en-US" altLang="zh-CN" sz="2400" dirty="0" smtClean="0">
-                <a:solidFill>
-                  <a:schemeClr val="tx1">
-                    <a:lumMod val="75000"/>
-                    <a:lumOff val="25000"/>
-                  </a:schemeClr>
-                </a:solidFill>
-                <a:latin typeface="微软雅黑" pitchFamily="34" charset="-122"/>
-                <a:ea typeface="微软雅黑" pitchFamily="34" charset="-122"/>
-              </a:rPr>
-              <a:t>SMIL</a:t>
-            </a:r>
-            <a:r>
-              <a:rPr lang="zh-CN" altLang="en-US" sz="2400" dirty="0" smtClean="0">
-                <a:solidFill>
-                  <a:schemeClr val="tx1">
-                    <a:lumMod val="75000"/>
-                    <a:lumOff val="25000"/>
-                  </a:schemeClr>
-                </a:solidFill>
-                <a:latin typeface="微软雅黑" pitchFamily="34" charset="-122"/>
-                <a:ea typeface="微软雅黑" pitchFamily="34" charset="-122"/>
-              </a:rPr>
-              <a:t>动画</a:t>
-            </a:r>
-            <a:r>
-              <a:rPr lang="zh-CN" altLang="en-US" sz="2400" dirty="0" smtClean="0">
-                <a:solidFill>
-                  <a:schemeClr val="tx1">
-                    <a:lumMod val="75000"/>
-                    <a:lumOff val="25000"/>
-                  </a:schemeClr>
-                </a:solidFill>
-                <a:latin typeface="微软雅黑" pitchFamily="34" charset="-122"/>
-                <a:ea typeface="微软雅黑" pitchFamily="34" charset="-122"/>
-              </a:rPr>
-              <a:t>，所以本案例兼容性很好</a:t>
+              <a:t>动画，所以本案例兼容性很好</a:t>
             </a:r>
             <a:endParaRPr lang="en-US" altLang="zh-CN" sz="2400" dirty="0" smtClean="0">
               <a:solidFill>
@@ -18246,33 +17767,7 @@
                 <a:latin typeface="微软雅黑" pitchFamily="34" charset="-122"/>
                 <a:ea typeface="微软雅黑" pitchFamily="34" charset="-122"/>
               </a:rPr>
-              <a:t>对象</a:t>
-            </a:r>
-            <a:r>
-              <a:rPr lang="zh-CN" altLang="en-US" sz="2400" dirty="0" smtClean="0">
-                <a:solidFill>
-                  <a:schemeClr val="tx1">
-                    <a:lumMod val="75000"/>
-                    <a:lumOff val="25000"/>
-                  </a:schemeClr>
-                </a:solidFill>
-                <a:latin typeface="微软雅黑" pitchFamily="34" charset="-122"/>
-                <a:ea typeface="微软雅黑" pitchFamily="34" charset="-122"/>
-              </a:rPr>
-              <a:t>的相关基础</a:t>
-            </a:r>
-            <a:r>
-              <a:rPr lang="zh-CN" altLang="en-US" sz="2400" dirty="0" smtClean="0">
-                <a:solidFill>
-                  <a:schemeClr val="tx1">
-                    <a:lumMod val="75000"/>
-                    <a:lumOff val="25000"/>
-                  </a:schemeClr>
-                </a:solidFill>
-                <a:latin typeface="微软雅黑" pitchFamily="34" charset="-122"/>
-                <a:ea typeface="微软雅黑" pitchFamily="34" charset="-122"/>
-              </a:rPr>
-              <a:t>知识</a:t>
+              <a:t>对象的相关基础知识</a:t>
             </a:r>
             <a:endParaRPr lang="en-US" altLang="zh-CN" sz="2400" dirty="0" smtClean="0">
               <a:solidFill>
@@ -18438,20 +17933,7 @@
                 <a:latin typeface="微软雅黑" pitchFamily="34" charset="-122"/>
                 <a:ea typeface="微软雅黑" pitchFamily="34" charset="-122"/>
               </a:rPr>
-              <a:t>6</a:t>
-            </a:r>
-            <a:r>
-              <a:rPr lang="en-US" altLang="zh-CN" sz="2400" b="1" dirty="0" smtClean="0">
-                <a:solidFill>
-                  <a:schemeClr val="tx1">
-                    <a:lumMod val="75000"/>
-                    <a:lumOff val="25000"/>
-                  </a:schemeClr>
-                </a:solidFill>
-                <a:latin typeface="微软雅黑" pitchFamily="34" charset="-122"/>
-                <a:ea typeface="微软雅黑" pitchFamily="34" charset="-122"/>
-              </a:rPr>
-              <a:t>-c </a:t>
+              <a:t>6-c </a:t>
             </a:r>
             <a:r>
               <a:rPr lang="zh-CN" altLang="en-US" sz="2400" b="1" dirty="0" smtClean="0">
@@ -19488,20 +18970,7 @@
                 <a:latin typeface="微软雅黑" pitchFamily="34" charset="-122"/>
                 <a:ea typeface="微软雅黑" pitchFamily="34" charset="-122"/>
               </a:rPr>
-              <a:t>6</a:t>
-            </a:r>
-            <a:r>
-              <a:rPr lang="en-US" altLang="zh-CN" sz="2400" b="1" dirty="0" smtClean="0">
-                <a:solidFill>
-                  <a:schemeClr val="tx1">
-                    <a:lumMod val="75000"/>
-                    <a:lumOff val="25000"/>
-                  </a:schemeClr>
-                </a:solidFill>
-                <a:latin typeface="微软雅黑" pitchFamily="34" charset="-122"/>
-                <a:ea typeface="微软雅黑" pitchFamily="34" charset="-122"/>
-              </a:rPr>
-              <a:t>-d </a:t>
+              <a:t>6-d </a:t>
             </a:r>
             <a:r>
               <a:rPr lang="zh-CN" altLang="en-US" sz="2400" b="1" dirty="0" smtClean="0">
@@ -20110,17 +19579,17 @@
           <a:lstStyle/>
           <a:p>
             <a:r>
-              <a:rPr lang="en-US" altLang="zh-CN" sz="2800" b="1" dirty="0" smtClean="0">
-                <a:solidFill>
-                  <a:schemeClr val="tx1">
-                    <a:lumMod val="75000"/>
-                    <a:lumOff val="25000"/>
-                  </a:schemeClr>
-                </a:solidFill>
-                <a:latin typeface="微软雅黑" pitchFamily="34" charset="-122"/>
-                <a:ea typeface="微软雅黑" pitchFamily="34" charset="-122"/>
-              </a:rPr>
-              <a:t>6</a:t>
+              <a:rPr lang="en-US" altLang="zh-CN" sz="2800" b="1" dirty="0">
+                <a:solidFill>
+                  <a:schemeClr val="tx1">
+                    <a:lumMod val="75000"/>
+                    <a:lumOff val="25000"/>
+                  </a:schemeClr>
+                </a:solidFill>
+                <a:latin typeface="微软雅黑" pitchFamily="34" charset="-122"/>
+                <a:ea typeface="微软雅黑" pitchFamily="34" charset="-122"/>
+              </a:rPr>
+              <a:t>7</a:t>
             </a:r>
             <a:r>
               <a:rPr lang="en-US" altLang="zh-CN" sz="2800" b="1" dirty="0" smtClean="0">
@@ -20189,17 +19658,17 @@
               </a:lnSpc>
             </a:pPr>
             <a:r>
-              <a:rPr lang="en-US" altLang="zh-CN" sz="2400" b="1" dirty="0" smtClean="0">
-                <a:solidFill>
-                  <a:schemeClr val="tx1">
-                    <a:lumMod val="75000"/>
-                    <a:lumOff val="25000"/>
-                  </a:schemeClr>
-                </a:solidFill>
-                <a:latin typeface="微软雅黑" pitchFamily="34" charset="-122"/>
-                <a:ea typeface="微软雅黑" pitchFamily="34" charset="-122"/>
-              </a:rPr>
-              <a:t>6</a:t>
+              <a:rPr lang="en-US" altLang="zh-CN" sz="2400" b="1" dirty="0">
+                <a:solidFill>
+                  <a:schemeClr val="tx1">
+                    <a:lumMod val="75000"/>
+                    <a:lumOff val="25000"/>
+                  </a:schemeClr>
+                </a:solidFill>
+                <a:latin typeface="微软雅黑" pitchFamily="34" charset="-122"/>
+                <a:ea typeface="微软雅黑" pitchFamily="34" charset="-122"/>
+              </a:rPr>
+              <a:t>7</a:t>
             </a:r>
             <a:r>
               <a:rPr lang="en-US" altLang="zh-CN" sz="2400" b="1" dirty="0" smtClean="0">
@@ -21062,17 +20531,17 @@
               </a:lnSpc>
             </a:pPr>
             <a:r>
-              <a:rPr lang="en-US" altLang="zh-CN" sz="2400" b="1" dirty="0" smtClean="0">
-                <a:solidFill>
-                  <a:schemeClr val="tx1">
-                    <a:lumMod val="75000"/>
-                    <a:lumOff val="25000"/>
-                  </a:schemeClr>
-                </a:solidFill>
-                <a:latin typeface="微软雅黑" pitchFamily="34" charset="-122"/>
-                <a:ea typeface="微软雅黑" pitchFamily="34" charset="-122"/>
-              </a:rPr>
-              <a:t>6</a:t>
+              <a:rPr lang="en-US" altLang="zh-CN" sz="2400" b="1" dirty="0">
+                <a:solidFill>
+                  <a:schemeClr val="tx1">
+                    <a:lumMod val="75000"/>
+                    <a:lumOff val="25000"/>
+                  </a:schemeClr>
+                </a:solidFill>
+                <a:latin typeface="微软雅黑" pitchFamily="34" charset="-122"/>
+                <a:ea typeface="微软雅黑" pitchFamily="34" charset="-122"/>
+              </a:rPr>
+              <a:t>7</a:t>
             </a:r>
             <a:r>
               <a:rPr lang="en-US" altLang="zh-CN" sz="2400" b="1" dirty="0" smtClean="0">
@@ -21180,7 +20649,20 @@
                 <a:latin typeface="微软雅黑" pitchFamily="34" charset="-122"/>
                 <a:ea typeface="微软雅黑" pitchFamily="34" charset="-122"/>
               </a:rPr>
-              <a:t>和</a:t>
+              <a:t>和属性动画的</a:t>
+            </a:r>
+            <a:r>
+              <a:rPr lang="en-US" altLang="zh-CN" sz="2400" dirty="0" smtClean="0">
+                <a:solidFill>
+                  <a:schemeClr val="tx1">
+                    <a:lumMod val="75000"/>
+                    <a:lumOff val="25000"/>
+                  </a:schemeClr>
+                </a:solidFill>
+                <a:latin typeface="微软雅黑" pitchFamily="34" charset="-122"/>
+                <a:ea typeface="微软雅黑" pitchFamily="34" charset="-122"/>
+              </a:rPr>
+              <a:t>update</a:t>
             </a:r>
             <a:r>
               <a:rPr lang="zh-CN" altLang="en-US" sz="2400" dirty="0" smtClean="0">
@@ -21193,7 +20675,7 @@
                 <a:latin typeface="微软雅黑" pitchFamily="34" charset="-122"/>
                 <a:ea typeface="微软雅黑" pitchFamily="34" charset="-122"/>
               </a:rPr>
-              <a:t>属性动画的</a:t>
+              <a:t>，并且设置动画元素的变化后的位置和其他属性</a:t>
             </a:r>
             <a:r>
               <a:rPr lang="en-US" altLang="zh-CN" sz="2400" dirty="0" smtClean="0">
@@ -21206,44 +20688,8 @@
                 <a:latin typeface="微软雅黑" pitchFamily="34" charset="-122"/>
                 <a:ea typeface="微软雅黑" pitchFamily="34" charset="-122"/>
               </a:rPr>
-              <a:t>update</a:t>
-            </a:r>
-            <a:r>
-              <a:rPr lang="zh-CN" altLang="en-US" sz="2400" dirty="0" smtClean="0">
-                <a:solidFill>
-                  <a:schemeClr val="tx1">
-                    <a:lumMod val="75000"/>
-                    <a:lumOff val="25000"/>
-                  </a:schemeClr>
-                </a:solidFill>
-                <a:latin typeface="微软雅黑" pitchFamily="34" charset="-122"/>
-                <a:ea typeface="微软雅黑" pitchFamily="34" charset="-122"/>
-              </a:rPr>
-              <a:t>，并且设置动画元素的变化后的位置和其他属性</a:t>
-            </a:r>
-            <a:r>
-              <a:rPr lang="en-US" altLang="zh-CN" sz="2400" dirty="0" smtClean="0">
-                <a:solidFill>
-                  <a:schemeClr val="tx1">
-                    <a:lumMod val="75000"/>
-                    <a:lumOff val="25000"/>
-                  </a:schemeClr>
-                </a:solidFill>
-                <a:latin typeface="微软雅黑" pitchFamily="34" charset="-122"/>
-                <a:ea typeface="微软雅黑" pitchFamily="34" charset="-122"/>
-              </a:rPr>
               <a:t>.</a:t>
             </a:r>
-            <a:endParaRPr lang="en-US" altLang="zh-CN" sz="2400" dirty="0" smtClean="0">
-              <a:solidFill>
-                <a:schemeClr val="tx1">
-                  <a:lumMod val="75000"/>
-                  <a:lumOff val="25000"/>
-                </a:schemeClr>
-              </a:solidFill>
-              <a:latin typeface="微软雅黑" pitchFamily="34" charset="-122"/>
-              <a:ea typeface="微软雅黑" pitchFamily="34" charset="-122"/>
-            </a:endParaRPr>
           </a:p>
         </p:txBody>
       </p:sp>
@@ -22222,17 +21668,30 @@
           <a:lstStyle/>
           <a:p>
             <a:r>
-              <a:rPr lang="en-US" altLang="zh-CN" sz="2800" b="1" dirty="0" smtClean="0">
-                <a:solidFill>
-                  <a:schemeClr val="tx1">
-                    <a:lumMod val="75000"/>
-                    <a:lumOff val="25000"/>
-                  </a:schemeClr>
-                </a:solidFill>
-                <a:latin typeface="微软雅黑" pitchFamily="34" charset="-122"/>
-                <a:ea typeface="微软雅黑" pitchFamily="34" charset="-122"/>
-              </a:rPr>
-              <a:t>7.</a:t>
+              <a:rPr lang="en-US" altLang="zh-CN" sz="2800" b="1" dirty="0">
+                <a:solidFill>
+                  <a:schemeClr val="tx1">
+                    <a:lumMod val="75000"/>
+                    <a:lumOff val="25000"/>
+                  </a:schemeClr>
+                </a:solidFill>
+                <a:latin typeface="微软雅黑" pitchFamily="34" charset="-122"/>
+                <a:ea typeface="微软雅黑" pitchFamily="34" charset="-122"/>
+              </a:rPr>
+              <a:t>8</a:t>
+            </a:r>
+            <a:r>
+              <a:rPr lang="en-US" altLang="zh-CN" sz="2800" b="1" smtClean="0">
+                <a:solidFill>
+                  <a:schemeClr val="tx1">
+                    <a:lumMod val="75000"/>
+                    <a:lumOff val="25000"/>
+                  </a:schemeClr>
+                </a:solidFill>
+                <a:latin typeface="微软雅黑" pitchFamily="34" charset="-122"/>
+                <a:ea typeface="微软雅黑" pitchFamily="34" charset="-122"/>
+              </a:rPr>
+              <a:t>.</a:t>
             </a:r>
             <a:r>
               <a:rPr lang="zh-CN" altLang="en-US" sz="2800" b="1" dirty="0" smtClean="0">
@@ -24570,7 +24029,20 @@
                 <a:latin typeface="微软雅黑" pitchFamily="34" charset="-122"/>
                 <a:ea typeface="微软雅黑" pitchFamily="34" charset="-122"/>
               </a:rPr>
-              <a:t>链表就是一种数据结构，它由一串彼此连接的节点组成</a:t>
+              <a:t>链表就是一种数据结构，它由一串彼此连接的节点组成，节点之间通过引用，前后互相连接</a:t>
+            </a:r>
+            <a:r>
+              <a:rPr lang="en-US" altLang="zh-CN" sz="2400" dirty="0" smtClean="0">
+                <a:solidFill>
+                  <a:schemeClr val="tx1">
+                    <a:lumMod val="75000"/>
+                    <a:lumOff val="25000"/>
+                  </a:schemeClr>
+                </a:solidFill>
+                <a:latin typeface="微软雅黑" pitchFamily="34" charset="-122"/>
+                <a:ea typeface="微软雅黑" pitchFamily="34" charset="-122"/>
+              </a:rPr>
+              <a:t>.</a:t>
             </a:r>
             <a:r>
               <a:rPr lang="zh-CN" altLang="en-US" sz="2400" dirty="0" smtClean="0">
@@ -24583,46 +24055,7 @@
                 <a:latin typeface="微软雅黑" pitchFamily="34" charset="-122"/>
                 <a:ea typeface="微软雅黑" pitchFamily="34" charset="-122"/>
               </a:rPr>
-              <a:t>，节点之间通过引用，前后互相连接</a:t>
-            </a:r>
-            <a:r>
-              <a:rPr lang="en-US" altLang="zh-CN" sz="2400" dirty="0" smtClean="0">
-                <a:solidFill>
-                  <a:schemeClr val="tx1">
-                    <a:lumMod val="75000"/>
-                    <a:lumOff val="25000"/>
-                  </a:schemeClr>
-                </a:solidFill>
-                <a:latin typeface="微软雅黑" pitchFamily="34" charset="-122"/>
-                <a:ea typeface="微软雅黑" pitchFamily="34" charset="-122"/>
-              </a:rPr>
-              <a:t>.</a:t>
-            </a:r>
-            <a:r>
-              <a:rPr lang="zh-CN" altLang="en-US" sz="2400" dirty="0" smtClean="0">
-                <a:solidFill>
-                  <a:schemeClr val="tx1">
-                    <a:lumMod val="75000"/>
-                    <a:lumOff val="25000"/>
-                  </a:schemeClr>
-                </a:solidFill>
-                <a:latin typeface="微软雅黑" pitchFamily="34" charset="-122"/>
-                <a:ea typeface="微软雅黑" pitchFamily="34" charset="-122"/>
-              </a:rPr>
-              <a:t>每个</a:t>
-            </a:r>
-            <a:r>
-              <a:rPr lang="zh-CN" altLang="en-US" sz="2400" dirty="0" smtClean="0">
-                <a:solidFill>
-                  <a:schemeClr val="tx1">
-                    <a:lumMod val="75000"/>
-                    <a:lumOff val="25000"/>
-                  </a:schemeClr>
-                </a:solidFill>
-                <a:latin typeface="微软雅黑" pitchFamily="34" charset="-122"/>
-                <a:ea typeface="微软雅黑" pitchFamily="34" charset="-122"/>
-              </a:rPr>
-              <a:t>节点包括</a:t>
+              <a:t>每个节点包括</a:t>
             </a:r>
             <a:r>
               <a:rPr lang="en-US" altLang="zh-CN" sz="2400" dirty="0" smtClean="0">
@@ -25274,46 +24707,7 @@
                 <a:latin typeface="微软雅黑" pitchFamily="34" charset="-122"/>
                 <a:ea typeface="微软雅黑" pitchFamily="34" charset="-122"/>
               </a:rPr>
-              <a:t>这里使用双向链表</a:t>
-            </a:r>
-            <a:r>
-              <a:rPr lang="zh-CN" altLang="en-US" sz="2400" dirty="0" smtClean="0">
-                <a:solidFill>
-                  <a:schemeClr val="tx1">
-                    <a:lumMod val="75000"/>
-                    <a:lumOff val="25000"/>
-                  </a:schemeClr>
-                </a:solidFill>
-                <a:latin typeface="微软雅黑" pitchFamily="34" charset="-122"/>
-                <a:ea typeface="微软雅黑" pitchFamily="34" charset="-122"/>
-              </a:rPr>
-              <a:t>，消耗的存储空间，但是时间效率更高，链表</a:t>
-            </a:r>
-            <a:r>
-              <a:rPr lang="zh-CN" altLang="en-US" sz="2400" dirty="0" smtClean="0">
-                <a:solidFill>
-                  <a:schemeClr val="tx1">
-                    <a:lumMod val="75000"/>
-                    <a:lumOff val="25000"/>
-                  </a:schemeClr>
-                </a:solidFill>
-                <a:latin typeface="微软雅黑" pitchFamily="34" charset="-122"/>
-                <a:ea typeface="微软雅黑" pitchFamily="34" charset="-122"/>
-              </a:rPr>
-              <a:t>对象需要记录链表的头部节点，尾部节点</a:t>
-            </a:r>
-            <a:r>
-              <a:rPr lang="zh-CN" altLang="en-US" sz="2400" dirty="0" smtClean="0">
-                <a:solidFill>
-                  <a:schemeClr val="tx1">
-                    <a:lumMod val="75000"/>
-                    <a:lumOff val="25000"/>
-                  </a:schemeClr>
-                </a:solidFill>
-                <a:latin typeface="微软雅黑" pitchFamily="34" charset="-122"/>
-                <a:ea typeface="微软雅黑" pitchFamily="34" charset="-122"/>
-              </a:rPr>
-              <a:t>，节点数量</a:t>
+              <a:t>这里使用双向链表，消耗的存储空间，但是时间效率更高，链表对象需要记录链表的头部节点，尾部节点，节点数量</a:t>
             </a:r>
             <a:r>
               <a:rPr lang="en-US" altLang="zh-CN" sz="2400" dirty="0" smtClean="0">
@@ -26485,33 +25879,7 @@
                 <a:latin typeface="微软雅黑" pitchFamily="34" charset="-122"/>
                 <a:ea typeface="微软雅黑" pitchFamily="34" charset="-122"/>
               </a:rPr>
-              <a:t>新节点的插入</a:t>
-            </a:r>
-            <a:r>
-              <a:rPr lang="zh-CN" altLang="en-US" sz="2400" dirty="0" smtClean="0">
-                <a:solidFill>
-                  <a:schemeClr val="tx1">
-                    <a:lumMod val="75000"/>
-                    <a:lumOff val="25000"/>
-                  </a:schemeClr>
-                </a:solidFill>
-                <a:latin typeface="微软雅黑" pitchFamily="34" charset="-122"/>
-                <a:ea typeface="微软雅黑" pitchFamily="34" charset="-122"/>
-              </a:rPr>
-              <a:t>的过程</a:t>
-            </a:r>
-            <a:r>
-              <a:rPr lang="zh-CN" altLang="en-US" sz="2400" dirty="0" smtClean="0">
-                <a:solidFill>
-                  <a:schemeClr val="tx1">
-                    <a:lumMod val="75000"/>
-                    <a:lumOff val="25000"/>
-                  </a:schemeClr>
-                </a:solidFill>
-                <a:latin typeface="微软雅黑" pitchFamily="34" charset="-122"/>
-                <a:ea typeface="微软雅黑" pitchFamily="34" charset="-122"/>
-              </a:rPr>
-              <a:t>分成</a:t>
+              <a:t>新节点的插入的过程分成</a:t>
             </a:r>
             <a:r>
               <a:rPr lang="en-US" altLang="zh-CN" sz="2400" dirty="0" smtClean="0">
@@ -26580,20 +25948,7 @@
                 <a:latin typeface="微软雅黑" pitchFamily="34" charset="-122"/>
                 <a:ea typeface="微软雅黑" pitchFamily="34" charset="-122"/>
               </a:rPr>
-              <a:t>新节点的</a:t>
-            </a:r>
-            <a:r>
-              <a:rPr lang="zh-CN" altLang="en-US" sz="2400" dirty="0" smtClean="0">
-                <a:solidFill>
-                  <a:schemeClr val="tx1">
-                    <a:lumMod val="75000"/>
-                    <a:lumOff val="25000"/>
-                  </a:schemeClr>
-                </a:solidFill>
-                <a:latin typeface="微软雅黑" pitchFamily="34" charset="-122"/>
-                <a:ea typeface="微软雅黑" pitchFamily="34" charset="-122"/>
-              </a:rPr>
-              <a:t>黏附，前后引用分别指向正确的节点</a:t>
+              <a:t>新节点的黏附，前后引用分别指向正确的节点</a:t>
             </a:r>
             <a:endParaRPr lang="en-US" altLang="zh-CN" sz="2400" dirty="0" smtClean="0">
               <a:solidFill>
@@ -26636,46 +25991,7 @@
                 <a:latin typeface="微软雅黑" pitchFamily="34" charset="-122"/>
                 <a:ea typeface="微软雅黑" pitchFamily="34" charset="-122"/>
               </a:rPr>
-              <a:t>旧</a:t>
-            </a:r>
-            <a:r>
-              <a:rPr lang="zh-CN" altLang="en-US" sz="2400" dirty="0" smtClean="0">
-                <a:solidFill>
-                  <a:schemeClr val="tx1">
-                    <a:lumMod val="75000"/>
-                    <a:lumOff val="25000"/>
-                  </a:schemeClr>
-                </a:solidFill>
-                <a:latin typeface="微软雅黑" pitchFamily="34" charset="-122"/>
-                <a:ea typeface="微软雅黑" pitchFamily="34" charset="-122"/>
-              </a:rPr>
-              <a:t>链接</a:t>
-            </a:r>
-            <a:r>
-              <a:rPr lang="zh-CN" altLang="en-US" sz="2400" dirty="0" smtClean="0">
-                <a:solidFill>
-                  <a:schemeClr val="tx1">
-                    <a:lumMod val="75000"/>
-                    <a:lumOff val="25000"/>
-                  </a:schemeClr>
-                </a:solidFill>
-                <a:latin typeface="微软雅黑" pitchFamily="34" charset="-122"/>
-                <a:ea typeface="微软雅黑" pitchFamily="34" charset="-122"/>
-              </a:rPr>
-              <a:t>的</a:t>
-            </a:r>
-            <a:r>
-              <a:rPr lang="zh-CN" altLang="en-US" sz="2400" dirty="0" smtClean="0">
-                <a:solidFill>
-                  <a:schemeClr val="tx1">
-                    <a:lumMod val="75000"/>
-                    <a:lumOff val="25000"/>
-                  </a:schemeClr>
-                </a:solidFill>
-                <a:latin typeface="微软雅黑" pitchFamily="34" charset="-122"/>
-                <a:ea typeface="微软雅黑" pitchFamily="34" charset="-122"/>
-              </a:rPr>
-              <a:t>断开，原先的节点修改前后链接，指向新节点</a:t>
+              <a:t>旧链接的断开，原先的节点修改前后链接，指向新节点</a:t>
             </a:r>
             <a:endParaRPr lang="en-US" altLang="zh-CN" sz="2400" dirty="0" smtClean="0">
               <a:solidFill>
@@ -27736,20 +27052,7 @@
                 <a:latin typeface="微软雅黑" pitchFamily="34" charset="-122"/>
                 <a:ea typeface="微软雅黑" pitchFamily="34" charset="-122"/>
               </a:rPr>
-              <a:t>节点黏附在链表</a:t>
-            </a:r>
-            <a:r>
-              <a:rPr lang="zh-CN" altLang="en-US" sz="2000" dirty="0" smtClean="0">
-                <a:solidFill>
-                  <a:schemeClr val="tx1">
-                    <a:lumMod val="75000"/>
-                    <a:lumOff val="25000"/>
-                  </a:schemeClr>
-                </a:solidFill>
-                <a:latin typeface="微软雅黑" pitchFamily="34" charset="-122"/>
-                <a:ea typeface="微软雅黑" pitchFamily="34" charset="-122"/>
-              </a:rPr>
-              <a:t>上，建立如需先所示的链接</a:t>
+              <a:t>节点黏附在链表上，建立如需先所示的链接</a:t>
             </a:r>
             <a:endParaRPr lang="zh-CN" altLang="en-US" sz="2000" dirty="0">
               <a:solidFill>
